--- a/Activation Functions.pptx
+++ b/Activation Functions.pptx
@@ -4406,7 +4406,7 @@
           <a:p>
             <a:fld id="{48A87A34-81AB-432B-8DAE-1953F412C126}" type="datetimeFigureOut">
               <a:rPr lang="en-US" dirty="0"/>
-              <a:t>1/31/2018</a:t>
+              <a:t>2/13/2018</a:t>
             </a:fld>
             <a:endParaRPr lang="en-US" dirty="0"/>
           </a:p>
@@ -4668,7 +4668,7 @@
           <a:p>
             <a:fld id="{48A87A34-81AB-432B-8DAE-1953F412C126}" type="datetimeFigureOut">
               <a:rPr lang="en-US" dirty="0"/>
-              <a:t>1/31/2018</a:t>
+              <a:t>2/13/2018</a:t>
             </a:fld>
             <a:endParaRPr lang="en-US" dirty="0"/>
           </a:p>
@@ -4859,7 +4859,7 @@
           <a:p>
             <a:fld id="{48A87A34-81AB-432B-8DAE-1953F412C126}" type="datetimeFigureOut">
               <a:rPr lang="en-US" dirty="0"/>
-              <a:t>1/31/2018</a:t>
+              <a:t>2/13/2018</a:t>
             </a:fld>
             <a:endParaRPr lang="en-US" dirty="0"/>
           </a:p>
@@ -5117,7 +5117,7 @@
           <a:p>
             <a:fld id="{48A87A34-81AB-432B-8DAE-1953F412C126}" type="datetimeFigureOut">
               <a:rPr lang="en-US" dirty="0"/>
-              <a:t>1/31/2018</a:t>
+              <a:t>2/13/2018</a:t>
             </a:fld>
             <a:endParaRPr lang="en-US" dirty="0"/>
           </a:p>
@@ -5546,7 +5546,7 @@
           <a:p>
             <a:fld id="{48A87A34-81AB-432B-8DAE-1953F412C126}" type="datetimeFigureOut">
               <a:rPr lang="en-US" dirty="0"/>
-              <a:t>1/31/2018</a:t>
+              <a:t>2/13/2018</a:t>
             </a:fld>
             <a:endParaRPr lang="en-US" dirty="0"/>
           </a:p>
@@ -6087,7 +6087,7 @@
           <a:p>
             <a:fld id="{48A87A34-81AB-432B-8DAE-1953F412C126}" type="datetimeFigureOut">
               <a:rPr lang="en-US" dirty="0"/>
-              <a:t>1/31/2018</a:t>
+              <a:t>2/13/2018</a:t>
             </a:fld>
             <a:endParaRPr lang="en-US" dirty="0"/>
           </a:p>
@@ -6802,7 +6802,7 @@
           <a:p>
             <a:fld id="{48A87A34-81AB-432B-8DAE-1953F412C126}" type="datetimeFigureOut">
               <a:rPr lang="en-US" dirty="0"/>
-              <a:t>1/31/2018</a:t>
+              <a:t>2/13/2018</a:t>
             </a:fld>
             <a:endParaRPr lang="en-US" dirty="0"/>
           </a:p>
@@ -6967,7 +6967,7 @@
           <a:p>
             <a:fld id="{48A87A34-81AB-432B-8DAE-1953F412C126}" type="datetimeFigureOut">
               <a:rPr lang="en-US" dirty="0"/>
-              <a:t>1/31/2018</a:t>
+              <a:t>2/13/2018</a:t>
             </a:fld>
             <a:endParaRPr lang="en-US" dirty="0"/>
           </a:p>
@@ -7142,7 +7142,7 @@
           <a:p>
             <a:fld id="{48A87A34-81AB-432B-8DAE-1953F412C126}" type="datetimeFigureOut">
               <a:rPr lang="en-US" dirty="0"/>
-              <a:t>1/31/2018</a:t>
+              <a:t>2/13/2018</a:t>
             </a:fld>
             <a:endParaRPr lang="en-US" dirty="0"/>
           </a:p>
@@ -7307,7 +7307,7 @@
           <a:p>
             <a:fld id="{48A87A34-81AB-432B-8DAE-1953F412C126}" type="datetimeFigureOut">
               <a:rPr lang="en-US" dirty="0"/>
-              <a:t>1/31/2018</a:t>
+              <a:t>2/13/2018</a:t>
             </a:fld>
             <a:endParaRPr lang="en-US" dirty="0"/>
           </a:p>
@@ -7552,7 +7552,7 @@
           <a:p>
             <a:fld id="{48A87A34-81AB-432B-8DAE-1953F412C126}" type="datetimeFigureOut">
               <a:rPr lang="en-US" dirty="0"/>
-              <a:t>1/31/2018</a:t>
+              <a:t>2/13/2018</a:t>
             </a:fld>
             <a:endParaRPr lang="en-US" dirty="0"/>
           </a:p>
@@ -7779,7 +7779,7 @@
           <a:p>
             <a:fld id="{48A87A34-81AB-432B-8DAE-1953F412C126}" type="datetimeFigureOut">
               <a:rPr lang="en-US" dirty="0"/>
-              <a:t>1/31/2018</a:t>
+              <a:t>2/13/2018</a:t>
             </a:fld>
             <a:endParaRPr lang="en-US" dirty="0"/>
           </a:p>
@@ -8155,7 +8155,7 @@
           <a:p>
             <a:fld id="{48A87A34-81AB-432B-8DAE-1953F412C126}" type="datetimeFigureOut">
               <a:rPr lang="en-US" dirty="0"/>
-              <a:t>1/31/2018</a:t>
+              <a:t>2/13/2018</a:t>
             </a:fld>
             <a:endParaRPr lang="en-US" dirty="0"/>
           </a:p>
@@ -8268,7 +8268,7 @@
           <a:p>
             <a:fld id="{48A87A34-81AB-432B-8DAE-1953F412C126}" type="datetimeFigureOut">
               <a:rPr lang="en-US" dirty="0"/>
-              <a:t>1/31/2018</a:t>
+              <a:t>2/13/2018</a:t>
             </a:fld>
             <a:endParaRPr lang="en-US" dirty="0"/>
           </a:p>
@@ -8358,7 +8358,7 @@
           <a:p>
             <a:fld id="{48A87A34-81AB-432B-8DAE-1953F412C126}" type="datetimeFigureOut">
               <a:rPr lang="en-US" dirty="0"/>
-              <a:t>1/31/2018</a:t>
+              <a:t>2/13/2018</a:t>
             </a:fld>
             <a:endParaRPr lang="en-US" dirty="0"/>
           </a:p>
@@ -8602,7 +8602,7 @@
           <a:p>
             <a:fld id="{48A87A34-81AB-432B-8DAE-1953F412C126}" type="datetimeFigureOut">
               <a:rPr lang="en-US" dirty="0"/>
-              <a:t>1/31/2018</a:t>
+              <a:t>2/13/2018</a:t>
             </a:fld>
             <a:endParaRPr lang="en-US" dirty="0"/>
           </a:p>
@@ -8877,7 +8877,7 @@
           <a:p>
             <a:fld id="{48A87A34-81AB-432B-8DAE-1953F412C126}" type="datetimeFigureOut">
               <a:rPr lang="en-US" dirty="0"/>
-              <a:t>1/31/2018</a:t>
+              <a:t>2/13/2018</a:t>
             </a:fld>
             <a:endParaRPr lang="en-US" dirty="0"/>
           </a:p>
@@ -11950,7 +11950,7 @@
             <a:fld id="{48A87A34-81AB-432B-8DAE-1953F412C126}" type="datetimeFigureOut">
               <a:rPr lang="en-US" dirty="0"/>
               <a:pPr/>
-              <a:t>1/31/2018</a:t>
+              <a:t>2/13/2018</a:t>
             </a:fld>
             <a:endParaRPr lang="en-US" dirty="0"/>
           </a:p>
@@ -14200,7 +14200,7 @@
           <a:p>
             <a:r>
               <a:rPr lang="en-US" dirty="0"/>
-              <a:t>What is the process of selecting an activation function?</a:t>
+              <a:t>What is the process of selecting an activation function? </a:t>
             </a:r>
           </a:p>
         </p:txBody>
